--- a/Perfiles metalicos.pptx
+++ b/Perfiles metalicos.pptx
@@ -5,39 +5,49 @@
     <p:sldMasterId id="2147483648" r:id="rId1"/>
   </p:sldMasterIdLst>
   <p:notesMasterIdLst>
-    <p:notesMasterId r:id="rId7"/>
+    <p:notesMasterId r:id="rId17"/>
   </p:notesMasterIdLst>
   <p:sldIdLst>
     <p:sldId id="270" r:id="rId2"/>
-    <p:sldId id="258" r:id="rId3"/>
-    <p:sldId id="261" r:id="rId4"/>
-    <p:sldId id="272" r:id="rId5"/>
-    <p:sldId id="269" r:id="rId6"/>
+    <p:sldId id="271" r:id="rId3"/>
+    <p:sldId id="272" r:id="rId4"/>
+    <p:sldId id="257" r:id="rId5"/>
+    <p:sldId id="256" r:id="rId6"/>
+    <p:sldId id="259" r:id="rId7"/>
+    <p:sldId id="258" r:id="rId8"/>
+    <p:sldId id="274" r:id="rId9"/>
+    <p:sldId id="261" r:id="rId10"/>
+    <p:sldId id="262" r:id="rId11"/>
+    <p:sldId id="263" r:id="rId12"/>
+    <p:sldId id="264" r:id="rId13"/>
+    <p:sldId id="265" r:id="rId14"/>
+    <p:sldId id="273" r:id="rId15"/>
+    <p:sldId id="269" r:id="rId16"/>
   </p:sldIdLst>
   <p:sldSz cx="9144000" cy="5143500" type="screen16x9"/>
   <p:notesSz cx="6858000" cy="9144000"/>
   <p:embeddedFontLst>
     <p:embeddedFont>
       <p:font typeface="Calibri" panose="020F0502020204030204" pitchFamily="34" charset="0"/>
-      <p:regular r:id="rId8"/>
-      <p:bold r:id="rId9"/>
-      <p:italic r:id="rId10"/>
-      <p:boldItalic r:id="rId11"/>
+      <p:regular r:id="rId18"/>
+      <p:bold r:id="rId19"/>
+      <p:italic r:id="rId20"/>
+      <p:boldItalic r:id="rId21"/>
     </p:embeddedFont>
     <p:embeddedFont>
       <p:font typeface="Ink Free" panose="03080402000500000000" pitchFamily="66" charset="0"/>
-      <p:regular r:id="rId12"/>
+      <p:regular r:id="rId22"/>
     </p:embeddedFont>
     <p:embeddedFont>
-      <p:font typeface="Jacques Francois Shadow" panose="02000000000000000000" pitchFamily="2" charset="0"/>
-      <p:regular r:id="rId13"/>
+      <p:font typeface="Jacques Francois Shadow" panose="020B0604020202020204" charset="0"/>
+      <p:regular r:id="rId23"/>
     </p:embeddedFont>
     <p:embeddedFont>
-      <p:font typeface="Rockwell" panose="02060603020205020403" pitchFamily="18" charset="77"/>
-      <p:regular r:id="rId14"/>
-      <p:bold r:id="rId15"/>
-      <p:italic r:id="rId16"/>
-      <p:boldItalic r:id="rId17"/>
+      <p:font typeface="Rockwell" panose="02060603020205020403" pitchFamily="18" charset="0"/>
+      <p:regular r:id="rId24"/>
+      <p:bold r:id="rId25"/>
+      <p:italic r:id="rId26"/>
+      <p:boldItalic r:id="rId27"/>
     </p:embeddedFont>
   </p:embeddedFontLst>
   <p:defaultTextStyle>
@@ -285,7 +295,7 @@
       </p15:sldGuideLst>
     </p:ext>
     <p:ext uri="http://customooxmlschemas.google.com/">
-      <go:slidesCustomData xmlns:go="http://customooxmlschemas.google.com/" xmlns:ahyp="http://schemas.microsoft.com/office/drawing/2018/hyperlinkcolor" xmlns:p15="http://schemas.microsoft.com/office/powerpoint/2012/main" xmlns:p14="http://schemas.microsoft.com/office/powerpoint/2010/main" xmlns:com="http://schemas.openxmlformats.org/drawingml/2006/compatibility" xmlns:pvml="urn:schemas-microsoft-com:office:powerpoint" xmlns:v="urn:schemas-microsoft-com:vml" xmlns:o="urn:schemas-microsoft-com:office:office" xmlns:dgm="http://schemas.openxmlformats.org/drawingml/2006/diagram" xmlns:c="http://schemas.openxmlformats.org/drawingml/2006/chart" xmlns:mv="urn:schemas-microsoft-com:mac:vml" xmlns:mc="http://schemas.openxmlformats.org/markup-compatibility/2006" xmlns="" r:id="rId28" roundtripDataSignature="AMtx7mhT/yID+aah2Zf04wkXtq/VKEf9hw=="/>
+      <go:slidesCustomData xmlns="" xmlns:mc="http://schemas.openxmlformats.org/markup-compatibility/2006" xmlns:mv="urn:schemas-microsoft-com:mac:vml" xmlns:c="http://schemas.openxmlformats.org/drawingml/2006/chart" xmlns:dgm="http://schemas.openxmlformats.org/drawingml/2006/diagram" xmlns:o="urn:schemas-microsoft-com:office:office" xmlns:v="urn:schemas-microsoft-com:vml" xmlns:pvml="urn:schemas-microsoft-com:office:powerpoint" xmlns:com="http://schemas.openxmlformats.org/drawingml/2006/compatibility" xmlns:p14="http://schemas.microsoft.com/office/powerpoint/2010/main" xmlns:p15="http://schemas.microsoft.com/office/powerpoint/2012/main" xmlns:ahyp="http://schemas.microsoft.com/office/drawing/2018/hyperlinkcolor" xmlns:go="http://customooxmlschemas.google.com/" r:id="rId28" roundtripDataSignature="AMtx7mhT/yID+aah2Zf04wkXtq/VKEf9hw=="/>
     </p:ext>
   </p:extLst>
 </p:presentation>
@@ -1489,6 +1499,744 @@
   <p:cSld>
     <p:spTree>
       <p:nvGrpSpPr>
+        <p:cNvPr id="1" name="Shape 346"/>
+        <p:cNvGrpSpPr/>
+        <p:nvPr/>
+      </p:nvGrpSpPr>
+      <p:grpSpPr>
+        <a:xfrm>
+          <a:off x="0" y="0"/>
+          <a:ext cx="0" cy="0"/>
+          <a:chOff x="0" y="0"/>
+          <a:chExt cx="0" cy="0"/>
+        </a:xfrm>
+      </p:grpSpPr>
+      <p:sp>
+        <p:nvSpPr>
+          <p:cNvPr id="347" name="Google Shape;347;p1:notes"/>
+          <p:cNvSpPr txBox="1">
+            <a:spLocks noGrp="1"/>
+          </p:cNvSpPr>
+          <p:nvPr>
+            <p:ph type="body" idx="1"/>
+          </p:nvPr>
+        </p:nvSpPr>
+        <p:spPr>
+          <a:xfrm>
+            <a:off x="685800" y="4400550"/>
+            <a:ext cx="5486400" cy="3600450"/>
+          </a:xfrm>
+          <a:prstGeom prst="rect">
+            <a:avLst/>
+          </a:prstGeom>
+        </p:spPr>
+        <p:txBody>
+          <a:bodyPr spcFirstLastPara="1" wrap="square" lIns="91425" tIns="45700" rIns="91425" bIns="45700" anchor="t" anchorCtr="0">
+            <a:noAutofit/>
+          </a:bodyPr>
+          <a:lstStyle/>
+          <a:p>
+            <a:pPr marL="0" lvl="0" indent="0" algn="l" rtl="0">
+              <a:spcBef>
+                <a:spcPts val="0"/>
+              </a:spcBef>
+              <a:spcAft>
+                <a:spcPts val="0"/>
+              </a:spcAft>
+              <a:buNone/>
+            </a:pPr>
+            <a:endParaRPr/>
+          </a:p>
+        </p:txBody>
+      </p:sp>
+      <p:sp>
+        <p:nvSpPr>
+          <p:cNvPr id="348" name="Google Shape;348;p1:notes"/>
+          <p:cNvSpPr>
+            <a:spLocks noGrp="1" noRot="1" noChangeAspect="1"/>
+          </p:cNvSpPr>
+          <p:nvPr>
+            <p:ph type="sldImg" idx="2"/>
+          </p:nvPr>
+        </p:nvSpPr>
+        <p:spPr>
+          <a:xfrm>
+            <a:off x="685800" y="1143000"/>
+            <a:ext cx="5486400" cy="3086100"/>
+          </a:xfrm>
+          <a:custGeom>
+            <a:avLst/>
+            <a:gdLst/>
+            <a:ahLst/>
+            <a:cxnLst/>
+            <a:rect l="l" t="t" r="r" b="b"/>
+            <a:pathLst>
+              <a:path w="120000" h="120000" extrusionOk="0">
+                <a:moveTo>
+                  <a:pt x="0" y="0"/>
+                </a:moveTo>
+                <a:lnTo>
+                  <a:pt x="120000" y="0"/>
+                </a:lnTo>
+                <a:lnTo>
+                  <a:pt x="120000" y="120000"/>
+                </a:lnTo>
+                <a:lnTo>
+                  <a:pt x="0" y="120000"/>
+                </a:lnTo>
+                <a:close/>
+              </a:path>
+            </a:pathLst>
+          </a:custGeom>
+        </p:spPr>
+      </p:sp>
+    </p:spTree>
+    <p:extLst>
+      <p:ext uri="{BB962C8B-B14F-4D97-AF65-F5344CB8AC3E}">
+        <p14:creationId xmlns:p14="http://schemas.microsoft.com/office/powerpoint/2010/main" val="2885749182"/>
+      </p:ext>
+    </p:extLst>
+  </p:cSld>
+  <p:clrMapOvr>
+    <a:masterClrMapping/>
+  </p:clrMapOvr>
+</p:notes>
+</file>
+
+<file path=ppt/notesSlides/notesSlide10.xml><?xml version="1.0" encoding="utf-8"?>
+<p:notes xmlns:a="http://schemas.openxmlformats.org/drawingml/2006/main" xmlns:r="http://schemas.openxmlformats.org/officeDocument/2006/relationships" xmlns:p="http://schemas.openxmlformats.org/presentationml/2006/main" showMasterSp="0" showMasterPhAnim="0">
+  <p:cSld>
+    <p:spTree>
+      <p:nvGrpSpPr>
+        <p:cNvPr id="1" name="Shape 416"/>
+        <p:cNvGrpSpPr/>
+        <p:nvPr/>
+      </p:nvGrpSpPr>
+      <p:grpSpPr>
+        <a:xfrm>
+          <a:off x="0" y="0"/>
+          <a:ext cx="0" cy="0"/>
+          <a:chOff x="0" y="0"/>
+          <a:chExt cx="0" cy="0"/>
+        </a:xfrm>
+      </p:grpSpPr>
+      <p:sp>
+        <p:nvSpPr>
+          <p:cNvPr id="417" name="Google Shape;417;p10:notes"/>
+          <p:cNvSpPr txBox="1">
+            <a:spLocks noGrp="1"/>
+          </p:cNvSpPr>
+          <p:nvPr>
+            <p:ph type="body" idx="1"/>
+          </p:nvPr>
+        </p:nvSpPr>
+        <p:spPr>
+          <a:xfrm>
+            <a:off x="685800" y="4400550"/>
+            <a:ext cx="5486400" cy="3600450"/>
+          </a:xfrm>
+          <a:prstGeom prst="rect">
+            <a:avLst/>
+          </a:prstGeom>
+        </p:spPr>
+        <p:txBody>
+          <a:bodyPr spcFirstLastPara="1" wrap="square" lIns="91425" tIns="45700" rIns="91425" bIns="45700" anchor="t" anchorCtr="0">
+            <a:noAutofit/>
+          </a:bodyPr>
+          <a:lstStyle/>
+          <a:p>
+            <a:pPr marL="0" lvl="0" indent="0" algn="l" rtl="0">
+              <a:spcBef>
+                <a:spcPts val="0"/>
+              </a:spcBef>
+              <a:spcAft>
+                <a:spcPts val="0"/>
+              </a:spcAft>
+              <a:buNone/>
+            </a:pPr>
+            <a:endParaRPr/>
+          </a:p>
+        </p:txBody>
+      </p:sp>
+      <p:sp>
+        <p:nvSpPr>
+          <p:cNvPr id="418" name="Google Shape;418;p10:notes"/>
+          <p:cNvSpPr>
+            <a:spLocks noGrp="1" noRot="1" noChangeAspect="1"/>
+          </p:cNvSpPr>
+          <p:nvPr>
+            <p:ph type="sldImg" idx="2"/>
+          </p:nvPr>
+        </p:nvSpPr>
+        <p:spPr>
+          <a:xfrm>
+            <a:off x="685800" y="1143000"/>
+            <a:ext cx="5486400" cy="3086100"/>
+          </a:xfrm>
+          <a:custGeom>
+            <a:avLst/>
+            <a:gdLst/>
+            <a:ahLst/>
+            <a:cxnLst/>
+            <a:rect l="l" t="t" r="r" b="b"/>
+            <a:pathLst>
+              <a:path w="120000" h="120000" extrusionOk="0">
+                <a:moveTo>
+                  <a:pt x="0" y="0"/>
+                </a:moveTo>
+                <a:lnTo>
+                  <a:pt x="120000" y="0"/>
+                </a:lnTo>
+                <a:lnTo>
+                  <a:pt x="120000" y="120000"/>
+                </a:lnTo>
+                <a:lnTo>
+                  <a:pt x="0" y="120000"/>
+                </a:lnTo>
+                <a:close/>
+              </a:path>
+            </a:pathLst>
+          </a:custGeom>
+        </p:spPr>
+      </p:sp>
+    </p:spTree>
+  </p:cSld>
+  <p:clrMapOvr>
+    <a:masterClrMapping/>
+  </p:clrMapOvr>
+</p:notes>
+</file>
+
+<file path=ppt/notesSlides/notesSlide11.xml><?xml version="1.0" encoding="utf-8"?>
+<p:notes xmlns:a="http://schemas.openxmlformats.org/drawingml/2006/main" xmlns:r="http://schemas.openxmlformats.org/officeDocument/2006/relationships" xmlns:p="http://schemas.openxmlformats.org/presentationml/2006/main" showMasterSp="0" showMasterPhAnim="0">
+  <p:cSld>
+    <p:spTree>
+      <p:nvGrpSpPr>
+        <p:cNvPr id="1" name="Shape 407"/>
+        <p:cNvGrpSpPr/>
+        <p:nvPr/>
+      </p:nvGrpSpPr>
+      <p:grpSpPr>
+        <a:xfrm>
+          <a:off x="0" y="0"/>
+          <a:ext cx="0" cy="0"/>
+          <a:chOff x="0" y="0"/>
+          <a:chExt cx="0" cy="0"/>
+        </a:xfrm>
+      </p:grpSpPr>
+      <p:sp>
+        <p:nvSpPr>
+          <p:cNvPr id="408" name="Google Shape;408;p9:notes"/>
+          <p:cNvSpPr txBox="1">
+            <a:spLocks noGrp="1"/>
+          </p:cNvSpPr>
+          <p:nvPr>
+            <p:ph type="body" idx="1"/>
+          </p:nvPr>
+        </p:nvSpPr>
+        <p:spPr>
+          <a:xfrm>
+            <a:off x="685800" y="4400550"/>
+            <a:ext cx="5486400" cy="3600450"/>
+          </a:xfrm>
+          <a:prstGeom prst="rect">
+            <a:avLst/>
+          </a:prstGeom>
+        </p:spPr>
+        <p:txBody>
+          <a:bodyPr spcFirstLastPara="1" wrap="square" lIns="91425" tIns="45700" rIns="91425" bIns="45700" anchor="t" anchorCtr="0">
+            <a:noAutofit/>
+          </a:bodyPr>
+          <a:lstStyle/>
+          <a:p>
+            <a:pPr marL="0" lvl="0" indent="0" algn="l" rtl="0">
+              <a:spcBef>
+                <a:spcPts val="0"/>
+              </a:spcBef>
+              <a:spcAft>
+                <a:spcPts val="0"/>
+              </a:spcAft>
+              <a:buNone/>
+            </a:pPr>
+            <a:endParaRPr/>
+          </a:p>
+        </p:txBody>
+      </p:sp>
+      <p:sp>
+        <p:nvSpPr>
+          <p:cNvPr id="409" name="Google Shape;409;p9:notes"/>
+          <p:cNvSpPr>
+            <a:spLocks noGrp="1" noRot="1" noChangeAspect="1"/>
+          </p:cNvSpPr>
+          <p:nvPr>
+            <p:ph type="sldImg" idx="2"/>
+          </p:nvPr>
+        </p:nvSpPr>
+        <p:spPr>
+          <a:xfrm>
+            <a:off x="685800" y="1143000"/>
+            <a:ext cx="5486400" cy="3086100"/>
+          </a:xfrm>
+          <a:custGeom>
+            <a:avLst/>
+            <a:gdLst/>
+            <a:ahLst/>
+            <a:cxnLst/>
+            <a:rect l="l" t="t" r="r" b="b"/>
+            <a:pathLst>
+              <a:path w="120000" h="120000" extrusionOk="0">
+                <a:moveTo>
+                  <a:pt x="0" y="0"/>
+                </a:moveTo>
+                <a:lnTo>
+                  <a:pt x="120000" y="0"/>
+                </a:lnTo>
+                <a:lnTo>
+                  <a:pt x="120000" y="120000"/>
+                </a:lnTo>
+                <a:lnTo>
+                  <a:pt x="0" y="120000"/>
+                </a:lnTo>
+                <a:close/>
+              </a:path>
+            </a:pathLst>
+          </a:custGeom>
+        </p:spPr>
+      </p:sp>
+    </p:spTree>
+    <p:extLst>
+      <p:ext uri="{BB962C8B-B14F-4D97-AF65-F5344CB8AC3E}">
+        <p14:creationId xmlns:p14="http://schemas.microsoft.com/office/powerpoint/2010/main" val="922190573"/>
+      </p:ext>
+    </p:extLst>
+  </p:cSld>
+  <p:clrMapOvr>
+    <a:masterClrMapping/>
+  </p:clrMapOvr>
+</p:notes>
+</file>
+
+<file path=ppt/notesSlides/notesSlide12.xml><?xml version="1.0" encoding="utf-8"?>
+<p:notes xmlns:a="http://schemas.openxmlformats.org/drawingml/2006/main" xmlns:r="http://schemas.openxmlformats.org/officeDocument/2006/relationships" xmlns:p="http://schemas.openxmlformats.org/presentationml/2006/main" showMasterSp="0" showMasterPhAnim="0">
+  <p:cSld>
+    <p:spTree>
+      <p:nvGrpSpPr>
+        <p:cNvPr id="1" name="Shape 452"/>
+        <p:cNvGrpSpPr/>
+        <p:nvPr/>
+      </p:nvGrpSpPr>
+      <p:grpSpPr>
+        <a:xfrm>
+          <a:off x="0" y="0"/>
+          <a:ext cx="0" cy="0"/>
+          <a:chOff x="0" y="0"/>
+          <a:chExt cx="0" cy="0"/>
+        </a:xfrm>
+      </p:grpSpPr>
+      <p:sp>
+        <p:nvSpPr>
+          <p:cNvPr id="453" name="Google Shape;453;p14:notes"/>
+          <p:cNvSpPr txBox="1">
+            <a:spLocks noGrp="1"/>
+          </p:cNvSpPr>
+          <p:nvPr>
+            <p:ph type="body" idx="1"/>
+          </p:nvPr>
+        </p:nvSpPr>
+        <p:spPr>
+          <a:xfrm>
+            <a:off x="685800" y="4400550"/>
+            <a:ext cx="5486400" cy="3600450"/>
+          </a:xfrm>
+          <a:prstGeom prst="rect">
+            <a:avLst/>
+          </a:prstGeom>
+        </p:spPr>
+        <p:txBody>
+          <a:bodyPr spcFirstLastPara="1" wrap="square" lIns="91425" tIns="45700" rIns="91425" bIns="45700" anchor="t" anchorCtr="0">
+            <a:noAutofit/>
+          </a:bodyPr>
+          <a:lstStyle/>
+          <a:p>
+            <a:pPr marL="0" lvl="0" indent="0" algn="l" rtl="0">
+              <a:spcBef>
+                <a:spcPts val="0"/>
+              </a:spcBef>
+              <a:spcAft>
+                <a:spcPts val="0"/>
+              </a:spcAft>
+              <a:buNone/>
+            </a:pPr>
+            <a:endParaRPr/>
+          </a:p>
+        </p:txBody>
+      </p:sp>
+      <p:sp>
+        <p:nvSpPr>
+          <p:cNvPr id="454" name="Google Shape;454;p14:notes"/>
+          <p:cNvSpPr>
+            <a:spLocks noGrp="1" noRot="1" noChangeAspect="1"/>
+          </p:cNvSpPr>
+          <p:nvPr>
+            <p:ph type="sldImg" idx="2"/>
+          </p:nvPr>
+        </p:nvSpPr>
+        <p:spPr>
+          <a:xfrm>
+            <a:off x="685800" y="1143000"/>
+            <a:ext cx="5486400" cy="3086100"/>
+          </a:xfrm>
+          <a:custGeom>
+            <a:avLst/>
+            <a:gdLst/>
+            <a:ahLst/>
+            <a:cxnLst/>
+            <a:rect l="l" t="t" r="r" b="b"/>
+            <a:pathLst>
+              <a:path w="120000" h="120000" extrusionOk="0">
+                <a:moveTo>
+                  <a:pt x="0" y="0"/>
+                </a:moveTo>
+                <a:lnTo>
+                  <a:pt x="120000" y="0"/>
+                </a:lnTo>
+                <a:lnTo>
+                  <a:pt x="120000" y="120000"/>
+                </a:lnTo>
+                <a:lnTo>
+                  <a:pt x="0" y="120000"/>
+                </a:lnTo>
+                <a:close/>
+              </a:path>
+            </a:pathLst>
+          </a:custGeom>
+        </p:spPr>
+      </p:sp>
+    </p:spTree>
+  </p:cSld>
+  <p:clrMapOvr>
+    <a:masterClrMapping/>
+  </p:clrMapOvr>
+</p:notes>
+</file>
+
+<file path=ppt/notesSlides/notesSlide2.xml><?xml version="1.0" encoding="utf-8"?>
+<p:notes xmlns:a="http://schemas.openxmlformats.org/drawingml/2006/main" xmlns:r="http://schemas.openxmlformats.org/officeDocument/2006/relationships" xmlns:p="http://schemas.openxmlformats.org/presentationml/2006/main" showMasterSp="0" showMasterPhAnim="0">
+  <p:cSld>
+    <p:spTree>
+      <p:nvGrpSpPr>
+        <p:cNvPr id="1" name="Shape 351"/>
+        <p:cNvGrpSpPr/>
+        <p:nvPr/>
+      </p:nvGrpSpPr>
+      <p:grpSpPr>
+        <a:xfrm>
+          <a:off x="0" y="0"/>
+          <a:ext cx="0" cy="0"/>
+          <a:chOff x="0" y="0"/>
+          <a:chExt cx="0" cy="0"/>
+        </a:xfrm>
+      </p:grpSpPr>
+      <p:sp>
+        <p:nvSpPr>
+          <p:cNvPr id="352" name="Google Shape;352;p2:notes"/>
+          <p:cNvSpPr txBox="1">
+            <a:spLocks noGrp="1"/>
+          </p:cNvSpPr>
+          <p:nvPr>
+            <p:ph type="body" idx="1"/>
+          </p:nvPr>
+        </p:nvSpPr>
+        <p:spPr>
+          <a:xfrm>
+            <a:off x="685800" y="4400550"/>
+            <a:ext cx="5486400" cy="3600450"/>
+          </a:xfrm>
+          <a:prstGeom prst="rect">
+            <a:avLst/>
+          </a:prstGeom>
+        </p:spPr>
+        <p:txBody>
+          <a:bodyPr spcFirstLastPara="1" wrap="square" lIns="91425" tIns="45700" rIns="91425" bIns="45700" anchor="t" anchorCtr="0">
+            <a:noAutofit/>
+          </a:bodyPr>
+          <a:lstStyle/>
+          <a:p>
+            <a:pPr marL="0" lvl="0" indent="0" algn="l" rtl="0">
+              <a:spcBef>
+                <a:spcPts val="0"/>
+              </a:spcBef>
+              <a:spcAft>
+                <a:spcPts val="0"/>
+              </a:spcAft>
+              <a:buNone/>
+            </a:pPr>
+            <a:endParaRPr/>
+          </a:p>
+        </p:txBody>
+      </p:sp>
+      <p:sp>
+        <p:nvSpPr>
+          <p:cNvPr id="353" name="Google Shape;353;p2:notes"/>
+          <p:cNvSpPr>
+            <a:spLocks noGrp="1" noRot="1" noChangeAspect="1"/>
+          </p:cNvSpPr>
+          <p:nvPr>
+            <p:ph type="sldImg" idx="2"/>
+          </p:nvPr>
+        </p:nvSpPr>
+        <p:spPr>
+          <a:xfrm>
+            <a:off x="685800" y="1143000"/>
+            <a:ext cx="5486400" cy="3086100"/>
+          </a:xfrm>
+          <a:custGeom>
+            <a:avLst/>
+            <a:gdLst/>
+            <a:ahLst/>
+            <a:cxnLst/>
+            <a:rect l="l" t="t" r="r" b="b"/>
+            <a:pathLst>
+              <a:path w="120000" h="120000" extrusionOk="0">
+                <a:moveTo>
+                  <a:pt x="0" y="0"/>
+                </a:moveTo>
+                <a:lnTo>
+                  <a:pt x="120000" y="0"/>
+                </a:lnTo>
+                <a:lnTo>
+                  <a:pt x="120000" y="120000"/>
+                </a:lnTo>
+                <a:lnTo>
+                  <a:pt x="0" y="120000"/>
+                </a:lnTo>
+                <a:close/>
+              </a:path>
+            </a:pathLst>
+          </a:custGeom>
+        </p:spPr>
+      </p:sp>
+    </p:spTree>
+  </p:cSld>
+  <p:clrMapOvr>
+    <a:masterClrMapping/>
+  </p:clrMapOvr>
+</p:notes>
+</file>
+
+<file path=ppt/notesSlides/notesSlide3.xml><?xml version="1.0" encoding="utf-8"?>
+<p:notes xmlns:a="http://schemas.openxmlformats.org/drawingml/2006/main" xmlns:r="http://schemas.openxmlformats.org/officeDocument/2006/relationships" xmlns:p="http://schemas.openxmlformats.org/presentationml/2006/main" showMasterSp="0" showMasterPhAnim="0">
+  <p:cSld>
+    <p:spTree>
+      <p:nvGrpSpPr>
+        <p:cNvPr id="1" name="Shape 346"/>
+        <p:cNvGrpSpPr/>
+        <p:nvPr/>
+      </p:nvGrpSpPr>
+      <p:grpSpPr>
+        <a:xfrm>
+          <a:off x="0" y="0"/>
+          <a:ext cx="0" cy="0"/>
+          <a:chOff x="0" y="0"/>
+          <a:chExt cx="0" cy="0"/>
+        </a:xfrm>
+      </p:grpSpPr>
+      <p:sp>
+        <p:nvSpPr>
+          <p:cNvPr id="347" name="Google Shape;347;p1:notes"/>
+          <p:cNvSpPr txBox="1">
+            <a:spLocks noGrp="1"/>
+          </p:cNvSpPr>
+          <p:nvPr>
+            <p:ph type="body" idx="1"/>
+          </p:nvPr>
+        </p:nvSpPr>
+        <p:spPr>
+          <a:xfrm>
+            <a:off x="685800" y="4400550"/>
+            <a:ext cx="5486400" cy="3600450"/>
+          </a:xfrm>
+          <a:prstGeom prst="rect">
+            <a:avLst/>
+          </a:prstGeom>
+        </p:spPr>
+        <p:txBody>
+          <a:bodyPr spcFirstLastPara="1" wrap="square" lIns="91425" tIns="45700" rIns="91425" bIns="45700" anchor="t" anchorCtr="0">
+            <a:noAutofit/>
+          </a:bodyPr>
+          <a:lstStyle/>
+          <a:p>
+            <a:pPr marL="0" lvl="0" indent="0" algn="l" rtl="0">
+              <a:spcBef>
+                <a:spcPts val="0"/>
+              </a:spcBef>
+              <a:spcAft>
+                <a:spcPts val="0"/>
+              </a:spcAft>
+              <a:buNone/>
+            </a:pPr>
+            <a:endParaRPr/>
+          </a:p>
+        </p:txBody>
+      </p:sp>
+      <p:sp>
+        <p:nvSpPr>
+          <p:cNvPr id="348" name="Google Shape;348;p1:notes"/>
+          <p:cNvSpPr>
+            <a:spLocks noGrp="1" noRot="1" noChangeAspect="1"/>
+          </p:cNvSpPr>
+          <p:nvPr>
+            <p:ph type="sldImg" idx="2"/>
+          </p:nvPr>
+        </p:nvSpPr>
+        <p:spPr>
+          <a:xfrm>
+            <a:off x="685800" y="1143000"/>
+            <a:ext cx="5486400" cy="3086100"/>
+          </a:xfrm>
+          <a:custGeom>
+            <a:avLst/>
+            <a:gdLst/>
+            <a:ahLst/>
+            <a:cxnLst/>
+            <a:rect l="l" t="t" r="r" b="b"/>
+            <a:pathLst>
+              <a:path w="120000" h="120000" extrusionOk="0">
+                <a:moveTo>
+                  <a:pt x="0" y="0"/>
+                </a:moveTo>
+                <a:lnTo>
+                  <a:pt x="120000" y="0"/>
+                </a:lnTo>
+                <a:lnTo>
+                  <a:pt x="120000" y="120000"/>
+                </a:lnTo>
+                <a:lnTo>
+                  <a:pt x="0" y="120000"/>
+                </a:lnTo>
+                <a:close/>
+              </a:path>
+            </a:pathLst>
+          </a:custGeom>
+        </p:spPr>
+      </p:sp>
+    </p:spTree>
+  </p:cSld>
+  <p:clrMapOvr>
+    <a:masterClrMapping/>
+  </p:clrMapOvr>
+</p:notes>
+</file>
+
+<file path=ppt/notesSlides/notesSlide4.xml><?xml version="1.0" encoding="utf-8"?>
+<p:notes xmlns:a="http://schemas.openxmlformats.org/drawingml/2006/main" xmlns:r="http://schemas.openxmlformats.org/officeDocument/2006/relationships" xmlns:p="http://schemas.openxmlformats.org/presentationml/2006/main" showMasterSp="0" showMasterPhAnim="0">
+  <p:cSld>
+    <p:spTree>
+      <p:nvGrpSpPr>
+        <p:cNvPr id="1" name="Shape 362"/>
+        <p:cNvGrpSpPr/>
+        <p:nvPr/>
+      </p:nvGrpSpPr>
+      <p:grpSpPr>
+        <a:xfrm>
+          <a:off x="0" y="0"/>
+          <a:ext cx="0" cy="0"/>
+          <a:chOff x="0" y="0"/>
+          <a:chExt cx="0" cy="0"/>
+        </a:xfrm>
+      </p:grpSpPr>
+      <p:sp>
+        <p:nvSpPr>
+          <p:cNvPr id="363" name="Google Shape;363;p4:notes"/>
+          <p:cNvSpPr txBox="1">
+            <a:spLocks noGrp="1"/>
+          </p:cNvSpPr>
+          <p:nvPr>
+            <p:ph type="body" idx="1"/>
+          </p:nvPr>
+        </p:nvSpPr>
+        <p:spPr>
+          <a:xfrm>
+            <a:off x="685800" y="4400550"/>
+            <a:ext cx="5486400" cy="3600450"/>
+          </a:xfrm>
+          <a:prstGeom prst="rect">
+            <a:avLst/>
+          </a:prstGeom>
+        </p:spPr>
+        <p:txBody>
+          <a:bodyPr spcFirstLastPara="1" wrap="square" lIns="91425" tIns="45700" rIns="91425" bIns="45700" anchor="t" anchorCtr="0">
+            <a:noAutofit/>
+          </a:bodyPr>
+          <a:lstStyle/>
+          <a:p>
+            <a:pPr marL="0" lvl="0" indent="0" algn="l" rtl="0">
+              <a:spcBef>
+                <a:spcPts val="0"/>
+              </a:spcBef>
+              <a:spcAft>
+                <a:spcPts val="0"/>
+              </a:spcAft>
+              <a:buNone/>
+            </a:pPr>
+            <a:endParaRPr/>
+          </a:p>
+        </p:txBody>
+      </p:sp>
+      <p:sp>
+        <p:nvSpPr>
+          <p:cNvPr id="364" name="Google Shape;364;p4:notes"/>
+          <p:cNvSpPr>
+            <a:spLocks noGrp="1" noRot="1" noChangeAspect="1"/>
+          </p:cNvSpPr>
+          <p:nvPr>
+            <p:ph type="sldImg" idx="2"/>
+          </p:nvPr>
+        </p:nvSpPr>
+        <p:spPr>
+          <a:xfrm>
+            <a:off x="685800" y="1143000"/>
+            <a:ext cx="5486400" cy="3086100"/>
+          </a:xfrm>
+          <a:custGeom>
+            <a:avLst/>
+            <a:gdLst/>
+            <a:ahLst/>
+            <a:cxnLst/>
+            <a:rect l="l" t="t" r="r" b="b"/>
+            <a:pathLst>
+              <a:path w="120000" h="120000" extrusionOk="0">
+                <a:moveTo>
+                  <a:pt x="0" y="0"/>
+                </a:moveTo>
+                <a:lnTo>
+                  <a:pt x="120000" y="0"/>
+                </a:lnTo>
+                <a:lnTo>
+                  <a:pt x="120000" y="120000"/>
+                </a:lnTo>
+                <a:lnTo>
+                  <a:pt x="0" y="120000"/>
+                </a:lnTo>
+                <a:close/>
+              </a:path>
+            </a:pathLst>
+          </a:custGeom>
+        </p:spPr>
+      </p:sp>
+    </p:spTree>
+  </p:cSld>
+  <p:clrMapOvr>
+    <a:masterClrMapping/>
+  </p:clrMapOvr>
+</p:notes>
+</file>
+
+<file path=ppt/notesSlides/notesSlide5.xml><?xml version="1.0" encoding="utf-8"?>
+<p:notes xmlns:a="http://schemas.openxmlformats.org/drawingml/2006/main" xmlns:r="http://schemas.openxmlformats.org/officeDocument/2006/relationships" xmlns:p="http://schemas.openxmlformats.org/presentationml/2006/main" showMasterSp="0" showMasterPhAnim="0">
+  <p:cSld>
+    <p:spTree>
+      <p:nvGrpSpPr>
         <p:cNvPr id="1" name="Shape 357"/>
         <p:cNvGrpSpPr/>
         <p:nvPr/>
@@ -1588,7 +2336,7 @@
 </p:notes>
 </file>
 
-<file path=ppt/notesSlides/notesSlide2.xml><?xml version="1.0" encoding="utf-8"?>
+<file path=ppt/notesSlides/notesSlide6.xml><?xml version="1.0" encoding="utf-8"?>
 <p:notes xmlns:a="http://schemas.openxmlformats.org/drawingml/2006/main" xmlns:r="http://schemas.openxmlformats.org/officeDocument/2006/relationships" xmlns:p="http://schemas.openxmlformats.org/presentationml/2006/main" showMasterSp="0" showMasterPhAnim="0">
   <p:cSld>
     <p:spTree>
@@ -1692,12 +2440,12 @@
 </p:notes>
 </file>
 
-<file path=ppt/notesSlides/notesSlide3.xml><?xml version="1.0" encoding="utf-8"?>
+<file path=ppt/notesSlides/notesSlide7.xml><?xml version="1.0" encoding="utf-8"?>
 <p:notes xmlns:a="http://schemas.openxmlformats.org/drawingml/2006/main" xmlns:r="http://schemas.openxmlformats.org/officeDocument/2006/relationships" xmlns:p="http://schemas.openxmlformats.org/presentationml/2006/main" showMasterSp="0" showMasterPhAnim="0">
   <p:cSld>
     <p:spTree>
       <p:nvGrpSpPr>
-        <p:cNvPr id="1" name="Shape 357"/>
+        <p:cNvPr id="1" name="Shape 389"/>
         <p:cNvGrpSpPr/>
         <p:nvPr/>
       </p:nvGrpSpPr>
@@ -1711,7 +2459,7 @@
       </p:grpSpPr>
       <p:sp>
         <p:nvSpPr>
-          <p:cNvPr id="358" name="Google Shape;358;p3:notes"/>
+          <p:cNvPr id="390" name="Google Shape;390;p7:notes"/>
           <p:cNvSpPr txBox="1">
             <a:spLocks noGrp="1"/>
           </p:cNvSpPr>
@@ -1749,7 +2497,7 @@
       </p:sp>
       <p:sp>
         <p:nvSpPr>
-          <p:cNvPr id="359" name="Google Shape;359;p3:notes"/>
+          <p:cNvPr id="391" name="Google Shape;391;p7:notes"/>
           <p:cNvSpPr>
             <a:spLocks noGrp="1" noRot="1" noChangeAspect="1"/>
           </p:cNvSpPr>
@@ -1789,11 +2537,6 @@
         </p:spPr>
       </p:sp>
     </p:spTree>
-    <p:extLst>
-      <p:ext uri="{BB962C8B-B14F-4D97-AF65-F5344CB8AC3E}">
-        <p14:creationId xmlns:p14="http://schemas.microsoft.com/office/powerpoint/2010/main" val="658569553"/>
-      </p:ext>
-    </p:extLst>
   </p:cSld>
   <p:clrMapOvr>
     <a:masterClrMapping/>
@@ -1801,12 +2544,12 @@
 </p:notes>
 </file>
 
-<file path=ppt/notesSlides/notesSlide4.xml><?xml version="1.0" encoding="utf-8"?>
+<file path=ppt/notesSlides/notesSlide8.xml><?xml version="1.0" encoding="utf-8"?>
 <p:notes xmlns:a="http://schemas.openxmlformats.org/drawingml/2006/main" xmlns:r="http://schemas.openxmlformats.org/officeDocument/2006/relationships" xmlns:p="http://schemas.openxmlformats.org/presentationml/2006/main" showMasterSp="0" showMasterPhAnim="0">
   <p:cSld>
     <p:spTree>
       <p:nvGrpSpPr>
-        <p:cNvPr id="1" name="Shape 452"/>
+        <p:cNvPr id="1" name="Shape 398"/>
         <p:cNvGrpSpPr/>
         <p:nvPr/>
       </p:nvGrpSpPr>
@@ -1820,7 +2563,7 @@
       </p:grpSpPr>
       <p:sp>
         <p:nvSpPr>
-          <p:cNvPr id="453" name="Google Shape;453;p14:notes"/>
+          <p:cNvPr id="399" name="Google Shape;399;p8:notes"/>
           <p:cNvSpPr txBox="1">
             <a:spLocks noGrp="1"/>
           </p:cNvSpPr>
@@ -1858,7 +2601,111 @@
       </p:sp>
       <p:sp>
         <p:nvSpPr>
-          <p:cNvPr id="454" name="Google Shape;454;p14:notes"/>
+          <p:cNvPr id="400" name="Google Shape;400;p8:notes"/>
+          <p:cNvSpPr>
+            <a:spLocks noGrp="1" noRot="1" noChangeAspect="1"/>
+          </p:cNvSpPr>
+          <p:nvPr>
+            <p:ph type="sldImg" idx="2"/>
+          </p:nvPr>
+        </p:nvSpPr>
+        <p:spPr>
+          <a:xfrm>
+            <a:off x="685800" y="1143000"/>
+            <a:ext cx="5486400" cy="3086100"/>
+          </a:xfrm>
+          <a:custGeom>
+            <a:avLst/>
+            <a:gdLst/>
+            <a:ahLst/>
+            <a:cxnLst/>
+            <a:rect l="l" t="t" r="r" b="b"/>
+            <a:pathLst>
+              <a:path w="120000" h="120000" extrusionOk="0">
+                <a:moveTo>
+                  <a:pt x="0" y="0"/>
+                </a:moveTo>
+                <a:lnTo>
+                  <a:pt x="120000" y="0"/>
+                </a:lnTo>
+                <a:lnTo>
+                  <a:pt x="120000" y="120000"/>
+                </a:lnTo>
+                <a:lnTo>
+                  <a:pt x="0" y="120000"/>
+                </a:lnTo>
+                <a:close/>
+              </a:path>
+            </a:pathLst>
+          </a:custGeom>
+        </p:spPr>
+      </p:sp>
+    </p:spTree>
+  </p:cSld>
+  <p:clrMapOvr>
+    <a:masterClrMapping/>
+  </p:clrMapOvr>
+</p:notes>
+</file>
+
+<file path=ppt/notesSlides/notesSlide9.xml><?xml version="1.0" encoding="utf-8"?>
+<p:notes xmlns:a="http://schemas.openxmlformats.org/drawingml/2006/main" xmlns:r="http://schemas.openxmlformats.org/officeDocument/2006/relationships" xmlns:p="http://schemas.openxmlformats.org/presentationml/2006/main" showMasterSp="0" showMasterPhAnim="0">
+  <p:cSld>
+    <p:spTree>
+      <p:nvGrpSpPr>
+        <p:cNvPr id="1" name="Shape 407"/>
+        <p:cNvGrpSpPr/>
+        <p:nvPr/>
+      </p:nvGrpSpPr>
+      <p:grpSpPr>
+        <a:xfrm>
+          <a:off x="0" y="0"/>
+          <a:ext cx="0" cy="0"/>
+          <a:chOff x="0" y="0"/>
+          <a:chExt cx="0" cy="0"/>
+        </a:xfrm>
+      </p:grpSpPr>
+      <p:sp>
+        <p:nvSpPr>
+          <p:cNvPr id="408" name="Google Shape;408;p9:notes"/>
+          <p:cNvSpPr txBox="1">
+            <a:spLocks noGrp="1"/>
+          </p:cNvSpPr>
+          <p:nvPr>
+            <p:ph type="body" idx="1"/>
+          </p:nvPr>
+        </p:nvSpPr>
+        <p:spPr>
+          <a:xfrm>
+            <a:off x="685800" y="4400550"/>
+            <a:ext cx="5486400" cy="3600450"/>
+          </a:xfrm>
+          <a:prstGeom prst="rect">
+            <a:avLst/>
+          </a:prstGeom>
+        </p:spPr>
+        <p:txBody>
+          <a:bodyPr spcFirstLastPara="1" wrap="square" lIns="91425" tIns="45700" rIns="91425" bIns="45700" anchor="t" anchorCtr="0">
+            <a:noAutofit/>
+          </a:bodyPr>
+          <a:lstStyle/>
+          <a:p>
+            <a:pPr marL="0" lvl="0" indent="0" algn="l" rtl="0">
+              <a:spcBef>
+                <a:spcPts val="0"/>
+              </a:spcBef>
+              <a:spcAft>
+                <a:spcPts val="0"/>
+              </a:spcAft>
+              <a:buNone/>
+            </a:pPr>
+            <a:endParaRPr/>
+          </a:p>
+        </p:txBody>
+      </p:sp>
+      <p:sp>
+        <p:nvSpPr>
+          <p:cNvPr id="409" name="Google Shape;409;p9:notes"/>
           <p:cNvSpPr>
             <a:spLocks noGrp="1" noRot="1" noChangeAspect="1"/>
           </p:cNvSpPr>
@@ -5804,7 +6651,908 @@
 </p:sld>
 </file>
 
+<file path=ppt/slides/slide10.xml><?xml version="1.0" encoding="utf-8"?>
+<p:sld xmlns:a="http://schemas.openxmlformats.org/drawingml/2006/main" xmlns:r="http://schemas.openxmlformats.org/officeDocument/2006/relationships" xmlns:p="http://schemas.openxmlformats.org/presentationml/2006/main">
+  <p:cSld>
+    <p:spTree>
+      <p:nvGrpSpPr>
+        <p:cNvPr id="1" name="Shape 392"/>
+        <p:cNvGrpSpPr/>
+        <p:nvPr/>
+      </p:nvGrpSpPr>
+      <p:grpSpPr>
+        <a:xfrm>
+          <a:off x="0" y="0"/>
+          <a:ext cx="0" cy="0"/>
+          <a:chOff x="0" y="0"/>
+          <a:chExt cx="0" cy="0"/>
+        </a:xfrm>
+      </p:grpSpPr>
+      <p:sp>
+        <p:nvSpPr>
+          <p:cNvPr id="3" name="Google Shape;350;p1">
+            <a:extLst>
+              <a:ext uri="{FF2B5EF4-FFF2-40B4-BE49-F238E27FC236}">
+                <a16:creationId xmlns:a16="http://schemas.microsoft.com/office/drawing/2014/main" id="{6BA68715-3004-4908-2A45-E59AEDAB2CC5}"/>
+              </a:ext>
+            </a:extLst>
+          </p:cNvPr>
+          <p:cNvSpPr txBox="1"/>
+          <p:nvPr/>
+        </p:nvSpPr>
+        <p:spPr>
+          <a:xfrm>
+            <a:off x="1491412" y="431753"/>
+            <a:ext cx="6161176" cy="954067"/>
+          </a:xfrm>
+          <a:prstGeom prst="rect">
+            <a:avLst/>
+          </a:prstGeom>
+          <a:noFill/>
+          <a:ln>
+            <a:noFill/>
+          </a:ln>
+        </p:spPr>
+        <p:txBody>
+          <a:bodyPr spcFirstLastPara="1" wrap="square" lIns="91425" tIns="45700" rIns="91425" bIns="45700" anchor="t" anchorCtr="0">
+            <a:spAutoFit/>
+          </a:bodyPr>
+          <a:lstStyle/>
+          <a:p>
+            <a:pPr marL="0" marR="0" lvl="0" indent="0" algn="ctr" rtl="0">
+              <a:spcBef>
+                <a:spcPts val="0"/>
+              </a:spcBef>
+              <a:spcAft>
+                <a:spcPts val="0"/>
+              </a:spcAft>
+              <a:buNone/>
+            </a:pPr>
+            <a:r>
+              <a:rPr lang="es-419" sz="2800" dirty="0">
+                <a:solidFill>
+                  <a:schemeClr val="dk1"/>
+                </a:solidFill>
+                <a:latin typeface="Jacques Francois Shadow"/>
+                <a:sym typeface="Jacques Francois Shadow"/>
+              </a:rPr>
+              <a:t>Perfiles L angulares de lados iguales y desiguales</a:t>
+            </a:r>
+            <a:endParaRPr lang="es-419" sz="1800" dirty="0"/>
+          </a:p>
+        </p:txBody>
+      </p:sp>
+    </p:spTree>
+  </p:cSld>
+  <p:clrMapOvr>
+    <a:masterClrMapping/>
+  </p:clrMapOvr>
+</p:sld>
+</file>
+
+<file path=ppt/slides/slide11.xml><?xml version="1.0" encoding="utf-8"?>
+<p:sld xmlns:a="http://schemas.openxmlformats.org/drawingml/2006/main" xmlns:r="http://schemas.openxmlformats.org/officeDocument/2006/relationships" xmlns:p="http://schemas.openxmlformats.org/presentationml/2006/main">
+  <p:cSld>
+    <p:bg>
+      <p:bgPr>
+        <a:solidFill>
+          <a:schemeClr val="lt1"/>
+        </a:solidFill>
+        <a:effectLst/>
+      </p:bgPr>
+    </p:bg>
+    <p:spTree>
+      <p:nvGrpSpPr>
+        <p:cNvPr id="1" name="Shape 401"/>
+        <p:cNvGrpSpPr/>
+        <p:nvPr/>
+      </p:nvGrpSpPr>
+      <p:grpSpPr>
+        <a:xfrm>
+          <a:off x="0" y="0"/>
+          <a:ext cx="0" cy="0"/>
+          <a:chOff x="0" y="0"/>
+          <a:chExt cx="0" cy="0"/>
+        </a:xfrm>
+      </p:grpSpPr>
+      <p:sp>
+        <p:nvSpPr>
+          <p:cNvPr id="3" name="Google Shape;370;p4">
+            <a:extLst>
+              <a:ext uri="{FF2B5EF4-FFF2-40B4-BE49-F238E27FC236}">
+                <a16:creationId xmlns:a16="http://schemas.microsoft.com/office/drawing/2014/main" id="{30B66747-2E39-F8A8-9A0E-F3BD8751414F}"/>
+              </a:ext>
+            </a:extLst>
+          </p:cNvPr>
+          <p:cNvSpPr txBox="1"/>
+          <p:nvPr/>
+        </p:nvSpPr>
+        <p:spPr>
+          <a:xfrm>
+            <a:off x="1490489" y="335417"/>
+            <a:ext cx="6163022" cy="523180"/>
+          </a:xfrm>
+          <a:prstGeom prst="rect">
+            <a:avLst/>
+          </a:prstGeom>
+          <a:noFill/>
+          <a:ln>
+            <a:noFill/>
+          </a:ln>
+        </p:spPr>
+        <p:txBody>
+          <a:bodyPr spcFirstLastPara="1" wrap="square" lIns="91425" tIns="45700" rIns="91425" bIns="45700" anchor="t" anchorCtr="0">
+            <a:spAutoFit/>
+          </a:bodyPr>
+          <a:lstStyle/>
+          <a:p>
+            <a:pPr marL="0" marR="0" lvl="0" indent="0" algn="ctr" rtl="0">
+              <a:spcBef>
+                <a:spcPts val="0"/>
+              </a:spcBef>
+              <a:spcAft>
+                <a:spcPts val="0"/>
+              </a:spcAft>
+              <a:buNone/>
+            </a:pPr>
+            <a:r>
+              <a:rPr lang="pt-BR" sz="2800" dirty="0">
+                <a:solidFill>
+                  <a:schemeClr val="lt1"/>
+                </a:solidFill>
+                <a:latin typeface="Jacques Francois Shadow"/>
+                <a:ea typeface="Jacques Francois Shadow"/>
+                <a:cs typeface="Jacques Francois Shadow"/>
+                <a:sym typeface="Jacques Francois Shadow"/>
+              </a:rPr>
+              <a:t>Perfiles FL – Pletinas y llantas</a:t>
+            </a:r>
+          </a:p>
+        </p:txBody>
+      </p:sp>
+    </p:spTree>
+  </p:cSld>
+  <p:clrMapOvr>
+    <a:masterClrMapping/>
+  </p:clrMapOvr>
+</p:sld>
+</file>
+
+<file path=ppt/slides/slide12.xml><?xml version="1.0" encoding="utf-8"?>
+<p:sld xmlns:a="http://schemas.openxmlformats.org/drawingml/2006/main" xmlns:r="http://schemas.openxmlformats.org/officeDocument/2006/relationships" xmlns:p="http://schemas.openxmlformats.org/presentationml/2006/main">
+  <p:cSld>
+    <p:spTree>
+      <p:nvGrpSpPr>
+        <p:cNvPr id="1" name="Shape 410"/>
+        <p:cNvGrpSpPr/>
+        <p:nvPr/>
+      </p:nvGrpSpPr>
+      <p:grpSpPr>
+        <a:xfrm>
+          <a:off x="0" y="0"/>
+          <a:ext cx="0" cy="0"/>
+          <a:chOff x="0" y="0"/>
+          <a:chExt cx="0" cy="0"/>
+        </a:xfrm>
+      </p:grpSpPr>
+      <p:sp>
+        <p:nvSpPr>
+          <p:cNvPr id="3" name="Google Shape;350;p1">
+            <a:extLst>
+              <a:ext uri="{FF2B5EF4-FFF2-40B4-BE49-F238E27FC236}">
+                <a16:creationId xmlns:a16="http://schemas.microsoft.com/office/drawing/2014/main" id="{38F56143-8ECE-11BA-770C-8CE86F621C7E}"/>
+              </a:ext>
+            </a:extLst>
+          </p:cNvPr>
+          <p:cNvSpPr txBox="1"/>
+          <p:nvPr/>
+        </p:nvSpPr>
+        <p:spPr>
+          <a:xfrm>
+            <a:off x="1491412" y="431753"/>
+            <a:ext cx="6161176" cy="523180"/>
+          </a:xfrm>
+          <a:prstGeom prst="rect">
+            <a:avLst/>
+          </a:prstGeom>
+          <a:noFill/>
+          <a:ln>
+            <a:noFill/>
+          </a:ln>
+        </p:spPr>
+        <p:txBody>
+          <a:bodyPr spcFirstLastPara="1" wrap="square" lIns="91425" tIns="45700" rIns="91425" bIns="45700" anchor="t" anchorCtr="0">
+            <a:spAutoFit/>
+          </a:bodyPr>
+          <a:lstStyle/>
+          <a:p>
+            <a:pPr marL="0" marR="0" lvl="0" indent="0" algn="ctr" rtl="0">
+              <a:spcBef>
+                <a:spcPts val="0"/>
+              </a:spcBef>
+              <a:spcAft>
+                <a:spcPts val="0"/>
+              </a:spcAft>
+              <a:buNone/>
+            </a:pPr>
+            <a:r>
+              <a:rPr lang="es-419" sz="2800" dirty="0">
+                <a:solidFill>
+                  <a:schemeClr val="dk1"/>
+                </a:solidFill>
+                <a:latin typeface="Jacques Francois Shadow"/>
+                <a:sym typeface="Jacques Francois Shadow"/>
+              </a:rPr>
+              <a:t>Perfiles SQ – Barras Cuadradas</a:t>
+            </a:r>
+            <a:endParaRPr lang="es-419" sz="1800" dirty="0"/>
+          </a:p>
+        </p:txBody>
+      </p:sp>
+    </p:spTree>
+  </p:cSld>
+  <p:clrMapOvr>
+    <a:masterClrMapping/>
+  </p:clrMapOvr>
+</p:sld>
+</file>
+
+<file path=ppt/slides/slide13.xml><?xml version="1.0" encoding="utf-8"?>
+<p:sld xmlns:a="http://schemas.openxmlformats.org/drawingml/2006/main" xmlns:r="http://schemas.openxmlformats.org/officeDocument/2006/relationships" xmlns:p="http://schemas.openxmlformats.org/presentationml/2006/main">
+  <p:cSld>
+    <p:spTree>
+      <p:nvGrpSpPr>
+        <p:cNvPr id="1" name="Shape 419"/>
+        <p:cNvGrpSpPr/>
+        <p:nvPr/>
+      </p:nvGrpSpPr>
+      <p:grpSpPr>
+        <a:xfrm>
+          <a:off x="0" y="0"/>
+          <a:ext cx="0" cy="0"/>
+          <a:chOff x="0" y="0"/>
+          <a:chExt cx="0" cy="0"/>
+        </a:xfrm>
+      </p:grpSpPr>
+      <p:sp>
+        <p:nvSpPr>
+          <p:cNvPr id="3" name="Google Shape;370;p4">
+            <a:extLst>
+              <a:ext uri="{FF2B5EF4-FFF2-40B4-BE49-F238E27FC236}">
+                <a16:creationId xmlns:a16="http://schemas.microsoft.com/office/drawing/2014/main" id="{6B160F63-7FC8-5B16-319D-D402E7CD09FB}"/>
+              </a:ext>
+            </a:extLst>
+          </p:cNvPr>
+          <p:cNvSpPr txBox="1"/>
+          <p:nvPr/>
+        </p:nvSpPr>
+        <p:spPr>
+          <a:xfrm>
+            <a:off x="1490489" y="335417"/>
+            <a:ext cx="6163022" cy="1384954"/>
+          </a:xfrm>
+          <a:prstGeom prst="rect">
+            <a:avLst/>
+          </a:prstGeom>
+          <a:noFill/>
+          <a:ln>
+            <a:noFill/>
+          </a:ln>
+        </p:spPr>
+        <p:txBody>
+          <a:bodyPr spcFirstLastPara="1" wrap="square" lIns="91425" tIns="45700" rIns="91425" bIns="45700" anchor="t" anchorCtr="0">
+            <a:spAutoFit/>
+          </a:bodyPr>
+          <a:lstStyle/>
+          <a:p>
+            <a:pPr marL="0" marR="0" lvl="0" indent="0" algn="ctr" rtl="0">
+              <a:spcBef>
+                <a:spcPts val="0"/>
+              </a:spcBef>
+              <a:spcAft>
+                <a:spcPts val="0"/>
+              </a:spcAft>
+              <a:buNone/>
+            </a:pPr>
+            <a:r>
+              <a:rPr lang="pt-BR" sz="2800" dirty="0">
+                <a:solidFill>
+                  <a:schemeClr val="lt1"/>
+                </a:solidFill>
+                <a:latin typeface="Jacques Francois Shadow"/>
+                <a:ea typeface="Jacques Francois Shadow"/>
+                <a:cs typeface="Jacques Francois Shadow"/>
+                <a:sym typeface="Jacques Francois Shadow"/>
+              </a:rPr>
+              <a:t>Perfiles HR – Barras Redondeadas de Acero Laminadas en Caliente</a:t>
+            </a:r>
+          </a:p>
+        </p:txBody>
+      </p:sp>
+    </p:spTree>
+  </p:cSld>
+  <p:clrMapOvr>
+    <a:masterClrMapping/>
+  </p:clrMapOvr>
+</p:sld>
+</file>
+
+<file path=ppt/slides/slide14.xml><?xml version="1.0" encoding="utf-8"?>
+<p:sld xmlns:a="http://schemas.openxmlformats.org/drawingml/2006/main" xmlns:r="http://schemas.openxmlformats.org/officeDocument/2006/relationships" xmlns:p="http://schemas.openxmlformats.org/presentationml/2006/main">
+  <p:cSld>
+    <p:spTree>
+      <p:nvGrpSpPr>
+        <p:cNvPr id="1" name="Shape 410"/>
+        <p:cNvGrpSpPr/>
+        <p:nvPr/>
+      </p:nvGrpSpPr>
+      <p:grpSpPr>
+        <a:xfrm>
+          <a:off x="0" y="0"/>
+          <a:ext cx="0" cy="0"/>
+          <a:chOff x="0" y="0"/>
+          <a:chExt cx="0" cy="0"/>
+        </a:xfrm>
+      </p:grpSpPr>
+      <p:sp>
+        <p:nvSpPr>
+          <p:cNvPr id="3" name="Google Shape;350;p1">
+            <a:extLst>
+              <a:ext uri="{FF2B5EF4-FFF2-40B4-BE49-F238E27FC236}">
+                <a16:creationId xmlns:a16="http://schemas.microsoft.com/office/drawing/2014/main" id="{38F56143-8ECE-11BA-770C-8CE86F621C7E}"/>
+              </a:ext>
+            </a:extLst>
+          </p:cNvPr>
+          <p:cNvSpPr txBox="1"/>
+          <p:nvPr/>
+        </p:nvSpPr>
+        <p:spPr>
+          <a:xfrm>
+            <a:off x="1491412" y="431753"/>
+            <a:ext cx="6161176" cy="523180"/>
+          </a:xfrm>
+          <a:prstGeom prst="rect">
+            <a:avLst/>
+          </a:prstGeom>
+          <a:noFill/>
+          <a:ln>
+            <a:noFill/>
+          </a:ln>
+        </p:spPr>
+        <p:txBody>
+          <a:bodyPr spcFirstLastPara="1" wrap="square" lIns="91425" tIns="45700" rIns="91425" bIns="45700" anchor="t" anchorCtr="0">
+            <a:spAutoFit/>
+          </a:bodyPr>
+          <a:lstStyle/>
+          <a:p>
+            <a:pPr marL="0" marR="0" lvl="0" indent="0" algn="ctr" rtl="0">
+              <a:spcBef>
+                <a:spcPts val="0"/>
+              </a:spcBef>
+              <a:spcAft>
+                <a:spcPts val="0"/>
+              </a:spcAft>
+              <a:buNone/>
+            </a:pPr>
+            <a:r>
+              <a:rPr lang="es-419" sz="2800" dirty="0">
+                <a:solidFill>
+                  <a:schemeClr val="dk1"/>
+                </a:solidFill>
+                <a:latin typeface="Jacques Francois Shadow"/>
+                <a:sym typeface="Jacques Francois Shadow"/>
+              </a:rPr>
+              <a:t>#############</a:t>
+            </a:r>
+            <a:endParaRPr lang="es-419" sz="1800" dirty="0"/>
+          </a:p>
+        </p:txBody>
+      </p:sp>
+    </p:spTree>
+    <p:extLst>
+      <p:ext uri="{BB962C8B-B14F-4D97-AF65-F5344CB8AC3E}">
+        <p14:creationId xmlns:p14="http://schemas.microsoft.com/office/powerpoint/2010/main" val="1821170339"/>
+      </p:ext>
+    </p:extLst>
+  </p:cSld>
+  <p:clrMapOvr>
+    <a:masterClrMapping/>
+  </p:clrMapOvr>
+</p:sld>
+</file>
+
+<file path=ppt/slides/slide15.xml><?xml version="1.0" encoding="utf-8"?>
+<p:sld xmlns:a="http://schemas.openxmlformats.org/drawingml/2006/main" xmlns:r="http://schemas.openxmlformats.org/officeDocument/2006/relationships" xmlns:p="http://schemas.openxmlformats.org/presentationml/2006/main">
+  <p:cSld>
+    <p:spTree>
+      <p:nvGrpSpPr>
+        <p:cNvPr id="1" name="Shape 455"/>
+        <p:cNvGrpSpPr/>
+        <p:nvPr/>
+      </p:nvGrpSpPr>
+      <p:grpSpPr>
+        <a:xfrm>
+          <a:off x="0" y="0"/>
+          <a:ext cx="0" cy="0"/>
+          <a:chOff x="0" y="0"/>
+          <a:chExt cx="0" cy="0"/>
+        </a:xfrm>
+      </p:grpSpPr>
+    </p:spTree>
+  </p:cSld>
+  <p:clrMapOvr>
+    <a:masterClrMapping/>
+  </p:clrMapOvr>
+</p:sld>
+</file>
+
 <file path=ppt/slides/slide2.xml><?xml version="1.0" encoding="utf-8"?>
+<p:sld xmlns:a="http://schemas.openxmlformats.org/drawingml/2006/main" xmlns:r="http://schemas.openxmlformats.org/officeDocument/2006/relationships" xmlns:p="http://schemas.openxmlformats.org/presentationml/2006/main">
+  <p:cSld>
+    <p:spTree>
+      <p:nvGrpSpPr>
+        <p:cNvPr id="1" name=""/>
+        <p:cNvGrpSpPr/>
+        <p:nvPr/>
+      </p:nvGrpSpPr>
+      <p:grpSpPr>
+        <a:xfrm>
+          <a:off x="0" y="0"/>
+          <a:ext cx="0" cy="0"/>
+          <a:chOff x="0" y="0"/>
+          <a:chExt cx="0" cy="0"/>
+        </a:xfrm>
+      </p:grpSpPr>
+      <p:sp>
+        <p:nvSpPr>
+          <p:cNvPr id="2" name="Google Shape;356;p2">
+            <a:extLst>
+              <a:ext uri="{FF2B5EF4-FFF2-40B4-BE49-F238E27FC236}">
+                <a16:creationId xmlns:a16="http://schemas.microsoft.com/office/drawing/2014/main" id="{F2ED120D-6BEA-4F88-C47C-B5B29006AAA7}"/>
+              </a:ext>
+            </a:extLst>
+          </p:cNvPr>
+          <p:cNvSpPr txBox="1"/>
+          <p:nvPr/>
+        </p:nvSpPr>
+        <p:spPr>
+          <a:xfrm>
+            <a:off x="1129207" y="311339"/>
+            <a:ext cx="6885585" cy="707846"/>
+          </a:xfrm>
+          <a:prstGeom prst="rect">
+            <a:avLst/>
+          </a:prstGeom>
+          <a:noFill/>
+          <a:ln>
+            <a:noFill/>
+          </a:ln>
+        </p:spPr>
+        <p:txBody>
+          <a:bodyPr spcFirstLastPara="1" wrap="square" lIns="91425" tIns="45700" rIns="91425" bIns="45700" anchor="t" anchorCtr="0">
+            <a:spAutoFit/>
+          </a:bodyPr>
+          <a:lstStyle/>
+          <a:p>
+            <a:pPr marL="0" marR="0" lvl="0" indent="0" algn="ctr" rtl="0">
+              <a:spcBef>
+                <a:spcPts val="0"/>
+              </a:spcBef>
+              <a:spcAft>
+                <a:spcPts val="0"/>
+              </a:spcAft>
+              <a:buNone/>
+            </a:pPr>
+            <a:r>
+              <a:rPr lang="es-CO" sz="4000" b="1" dirty="0">
+                <a:solidFill>
+                  <a:schemeClr val="lt1"/>
+                </a:solidFill>
+                <a:latin typeface="Jacques Francois Shadow"/>
+                <a:ea typeface="Jacques Francois Shadow"/>
+                <a:cs typeface="Jacques Francois Shadow"/>
+                <a:sym typeface="Jacques Francois Shadow"/>
+              </a:rPr>
+              <a:t>¿Qué son los perfiles?</a:t>
+            </a:r>
+            <a:endParaRPr sz="4000" b="1" dirty="0">
+              <a:solidFill>
+                <a:schemeClr val="lt1"/>
+              </a:solidFill>
+              <a:latin typeface="Jacques Francois Shadow"/>
+              <a:ea typeface="Jacques Francois Shadow"/>
+              <a:cs typeface="Jacques Francois Shadow"/>
+              <a:sym typeface="Jacques Francois Shadow"/>
+            </a:endParaRPr>
+          </a:p>
+        </p:txBody>
+      </p:sp>
+    </p:spTree>
+    <p:extLst>
+      <p:ext uri="{BB962C8B-B14F-4D97-AF65-F5344CB8AC3E}">
+        <p14:creationId xmlns:p14="http://schemas.microsoft.com/office/powerpoint/2010/main" val="1766908077"/>
+      </p:ext>
+    </p:extLst>
+  </p:cSld>
+  <p:clrMapOvr>
+    <a:masterClrMapping/>
+  </p:clrMapOvr>
+</p:sld>
+</file>
+
+<file path=ppt/slides/slide3.xml><?xml version="1.0" encoding="utf-8"?>
+<p:sld xmlns:a="http://schemas.openxmlformats.org/drawingml/2006/main" xmlns:r="http://schemas.openxmlformats.org/officeDocument/2006/relationships" xmlns:p="http://schemas.openxmlformats.org/presentationml/2006/main">
+  <p:cSld>
+    <p:spTree>
+      <p:nvGrpSpPr>
+        <p:cNvPr id="1" name="Shape 349"/>
+        <p:cNvGrpSpPr/>
+        <p:nvPr/>
+      </p:nvGrpSpPr>
+      <p:grpSpPr>
+        <a:xfrm>
+          <a:off x="0" y="0"/>
+          <a:ext cx="0" cy="0"/>
+          <a:chOff x="0" y="0"/>
+          <a:chExt cx="0" cy="0"/>
+        </a:xfrm>
+      </p:grpSpPr>
+      <p:sp>
+        <p:nvSpPr>
+          <p:cNvPr id="3" name="Google Shape;350;p1">
+            <a:extLst>
+              <a:ext uri="{FF2B5EF4-FFF2-40B4-BE49-F238E27FC236}">
+                <a16:creationId xmlns:a16="http://schemas.microsoft.com/office/drawing/2014/main" id="{3377992B-339E-DAC9-5CD1-3C839502C94D}"/>
+              </a:ext>
+            </a:extLst>
+          </p:cNvPr>
+          <p:cNvSpPr txBox="1"/>
+          <p:nvPr/>
+        </p:nvSpPr>
+        <p:spPr>
+          <a:xfrm>
+            <a:off x="1498086" y="538544"/>
+            <a:ext cx="6147827" cy="707846"/>
+          </a:xfrm>
+          <a:prstGeom prst="rect">
+            <a:avLst/>
+          </a:prstGeom>
+          <a:noFill/>
+          <a:ln>
+            <a:noFill/>
+          </a:ln>
+        </p:spPr>
+        <p:txBody>
+          <a:bodyPr spcFirstLastPara="1" wrap="square" lIns="91425" tIns="45700" rIns="91425" bIns="45700" anchor="t" anchorCtr="0">
+            <a:spAutoFit/>
+          </a:bodyPr>
+          <a:lstStyle/>
+          <a:p>
+            <a:pPr marL="0" marR="0" lvl="0" indent="0" algn="ctr" rtl="0">
+              <a:spcBef>
+                <a:spcPts val="0"/>
+              </a:spcBef>
+              <a:spcAft>
+                <a:spcPts val="0"/>
+              </a:spcAft>
+              <a:buNone/>
+            </a:pPr>
+            <a:r>
+              <a:rPr lang="es-ES" sz="4000" dirty="0">
+                <a:solidFill>
+                  <a:schemeClr val="dk1"/>
+                </a:solidFill>
+                <a:latin typeface="Jacques Francois Shadow"/>
+                <a:sym typeface="Jacques Francois Shadow"/>
+              </a:rPr>
+              <a:t>Características</a:t>
+            </a:r>
+            <a:endParaRPr lang="es-ES" sz="2800" dirty="0"/>
+          </a:p>
+        </p:txBody>
+      </p:sp>
+    </p:spTree>
+    <p:extLst>
+      <p:ext uri="{BB962C8B-B14F-4D97-AF65-F5344CB8AC3E}">
+        <p14:creationId xmlns:p14="http://schemas.microsoft.com/office/powerpoint/2010/main" val="1611866619"/>
+      </p:ext>
+    </p:extLst>
+  </p:cSld>
+  <p:clrMapOvr>
+    <a:masterClrMapping/>
+  </p:clrMapOvr>
+</p:sld>
+</file>
+
+<file path=ppt/slides/slide4.xml><?xml version="1.0" encoding="utf-8"?>
+<p:sld xmlns:a="http://schemas.openxmlformats.org/drawingml/2006/main" xmlns:r="http://schemas.openxmlformats.org/officeDocument/2006/relationships" xmlns:p="http://schemas.openxmlformats.org/presentationml/2006/main">
+  <p:cSld>
+    <p:spTree>
+      <p:nvGrpSpPr>
+        <p:cNvPr id="1" name="Shape 354"/>
+        <p:cNvGrpSpPr/>
+        <p:nvPr/>
+      </p:nvGrpSpPr>
+      <p:grpSpPr>
+        <a:xfrm>
+          <a:off x="0" y="0"/>
+          <a:ext cx="0" cy="0"/>
+          <a:chOff x="0" y="0"/>
+          <a:chExt cx="0" cy="0"/>
+        </a:xfrm>
+      </p:grpSpPr>
+      <p:sp>
+        <p:nvSpPr>
+          <p:cNvPr id="356" name="Google Shape;356;p2"/>
+          <p:cNvSpPr txBox="1"/>
+          <p:nvPr/>
+        </p:nvSpPr>
+        <p:spPr>
+          <a:xfrm>
+            <a:off x="1129207" y="184524"/>
+            <a:ext cx="6885585" cy="769401"/>
+          </a:xfrm>
+          <a:prstGeom prst="rect">
+            <a:avLst/>
+          </a:prstGeom>
+          <a:noFill/>
+          <a:ln>
+            <a:noFill/>
+          </a:ln>
+        </p:spPr>
+        <p:txBody>
+          <a:bodyPr spcFirstLastPara="1" wrap="square" lIns="91425" tIns="45700" rIns="91425" bIns="45700" anchor="t" anchorCtr="0">
+            <a:spAutoFit/>
+          </a:bodyPr>
+          <a:lstStyle/>
+          <a:p>
+            <a:pPr marL="0" marR="0" lvl="0" indent="0" algn="ctr" rtl="0">
+              <a:spcBef>
+                <a:spcPts val="0"/>
+              </a:spcBef>
+              <a:spcAft>
+                <a:spcPts val="0"/>
+              </a:spcAft>
+              <a:buNone/>
+            </a:pPr>
+            <a:r>
+              <a:rPr lang="es-CO" sz="4400" b="1" dirty="0">
+                <a:solidFill>
+                  <a:schemeClr val="lt1"/>
+                </a:solidFill>
+                <a:latin typeface="Jacques Francois Shadow"/>
+                <a:ea typeface="Jacques Francois Shadow"/>
+                <a:cs typeface="Jacques Francois Shadow"/>
+                <a:sym typeface="Jacques Francois Shadow"/>
+              </a:rPr>
+              <a:t>Tipos </a:t>
+            </a:r>
+            <a:r>
+              <a:rPr lang="es-CO" sz="4000" b="1" dirty="0">
+                <a:solidFill>
+                  <a:schemeClr val="lt1"/>
+                </a:solidFill>
+                <a:latin typeface="Jacques Francois Shadow"/>
+                <a:ea typeface="Jacques Francois Shadow"/>
+                <a:cs typeface="Jacques Francois Shadow"/>
+                <a:sym typeface="Jacques Francois Shadow"/>
+              </a:rPr>
+              <a:t>de</a:t>
+            </a:r>
+            <a:r>
+              <a:rPr lang="es-CO" sz="4400" b="1" dirty="0">
+                <a:solidFill>
+                  <a:schemeClr val="lt1"/>
+                </a:solidFill>
+                <a:latin typeface="Jacques Francois Shadow"/>
+                <a:ea typeface="Jacques Francois Shadow"/>
+                <a:cs typeface="Jacques Francois Shadow"/>
+                <a:sym typeface="Jacques Francois Shadow"/>
+              </a:rPr>
+              <a:t> perfiles</a:t>
+            </a:r>
+          </a:p>
+        </p:txBody>
+      </p:sp>
+      <p:pic>
+        <p:nvPicPr>
+          <p:cNvPr id="3" name="Imagen 2">
+            <a:extLst>
+              <a:ext uri="{FF2B5EF4-FFF2-40B4-BE49-F238E27FC236}">
+                <a16:creationId xmlns:a16="http://schemas.microsoft.com/office/drawing/2014/main" id="{9EB12C91-6FFD-861C-E223-0E5951D6AF4A}"/>
+              </a:ext>
+            </a:extLst>
+          </p:cNvPr>
+          <p:cNvPicPr>
+            <a:picLocks noChangeAspect="1"/>
+          </p:cNvPicPr>
+          <p:nvPr/>
+        </p:nvPicPr>
+        <p:blipFill>
+          <a:blip r:embed="rId3"/>
+          <a:stretch>
+            <a:fillRect/>
+          </a:stretch>
+        </p:blipFill>
+        <p:spPr>
+          <a:xfrm>
+            <a:off x="1650297" y="1046614"/>
+            <a:ext cx="5843403" cy="3641464"/>
+          </a:xfrm>
+          <a:prstGeom prst="rect">
+            <a:avLst/>
+          </a:prstGeom>
+          <a:ln w="12700">
+            <a:solidFill>
+              <a:srgbClr val="00B0F0"/>
+            </a:solidFill>
+          </a:ln>
+        </p:spPr>
+      </p:pic>
+    </p:spTree>
+  </p:cSld>
+  <p:clrMapOvr>
+    <a:masterClrMapping/>
+  </p:clrMapOvr>
+</p:sld>
+</file>
+
+<file path=ppt/slides/slide5.xml><?xml version="1.0" encoding="utf-8"?>
+<p:sld xmlns:a="http://schemas.openxmlformats.org/drawingml/2006/main" xmlns:r="http://schemas.openxmlformats.org/officeDocument/2006/relationships" xmlns:p="http://schemas.openxmlformats.org/presentationml/2006/main">
+  <p:cSld>
+    <p:spTree>
+      <p:nvGrpSpPr>
+        <p:cNvPr id="1" name="Shape 349"/>
+        <p:cNvGrpSpPr/>
+        <p:nvPr/>
+      </p:nvGrpSpPr>
+      <p:grpSpPr>
+        <a:xfrm>
+          <a:off x="0" y="0"/>
+          <a:ext cx="0" cy="0"/>
+          <a:chOff x="0" y="0"/>
+          <a:chExt cx="0" cy="0"/>
+        </a:xfrm>
+      </p:grpSpPr>
+      <p:sp>
+        <p:nvSpPr>
+          <p:cNvPr id="350" name="Google Shape;350;p1"/>
+          <p:cNvSpPr txBox="1"/>
+          <p:nvPr/>
+        </p:nvSpPr>
+        <p:spPr>
+          <a:xfrm>
+            <a:off x="1201401" y="171449"/>
+            <a:ext cx="6451187" cy="523180"/>
+          </a:xfrm>
+          <a:prstGeom prst="rect">
+            <a:avLst/>
+          </a:prstGeom>
+          <a:noFill/>
+          <a:ln>
+            <a:noFill/>
+          </a:ln>
+        </p:spPr>
+        <p:txBody>
+          <a:bodyPr spcFirstLastPara="1" wrap="square" lIns="91425" tIns="45700" rIns="91425" bIns="45700" anchor="t" anchorCtr="0">
+            <a:spAutoFit/>
+          </a:bodyPr>
+          <a:lstStyle/>
+          <a:p>
+            <a:pPr marL="0" marR="0" lvl="0" indent="0" algn="ctr" rtl="0">
+              <a:spcBef>
+                <a:spcPts val="0"/>
+              </a:spcBef>
+              <a:spcAft>
+                <a:spcPts val="0"/>
+              </a:spcAft>
+              <a:buNone/>
+            </a:pPr>
+            <a:r>
+              <a:rPr lang="pt-BR" sz="2800" dirty="0">
+                <a:solidFill>
+                  <a:schemeClr val="dk1"/>
+                </a:solidFill>
+                <a:latin typeface="Jacques Francois Shadow"/>
+                <a:sym typeface="Jacques Francois Shadow"/>
+              </a:rPr>
+              <a:t>IPE – Perfiles I De Alas Paralelas</a:t>
+            </a:r>
+            <a:endParaRPr lang="pt-BR" sz="2800" dirty="0"/>
+          </a:p>
+        </p:txBody>
+      </p:sp>
+    </p:spTree>
+  </p:cSld>
+  <p:clrMapOvr>
+    <a:masterClrMapping/>
+  </p:clrMapOvr>
+</p:sld>
+</file>
+
+<file path=ppt/slides/slide6.xml><?xml version="1.0" encoding="utf-8"?>
+<p:sld xmlns:a="http://schemas.openxmlformats.org/drawingml/2006/main" xmlns:r="http://schemas.openxmlformats.org/officeDocument/2006/relationships" xmlns:p="http://schemas.openxmlformats.org/presentationml/2006/main">
+  <p:cSld>
+    <p:bg>
+      <p:bgPr>
+        <a:solidFill>
+          <a:schemeClr val="lt1"/>
+        </a:solidFill>
+        <a:effectLst/>
+      </p:bgPr>
+    </p:bg>
+    <p:spTree>
+      <p:nvGrpSpPr>
+        <p:cNvPr id="1" name="Shape 365"/>
+        <p:cNvGrpSpPr/>
+        <p:nvPr/>
+      </p:nvGrpSpPr>
+      <p:grpSpPr>
+        <a:xfrm>
+          <a:off x="0" y="0"/>
+          <a:ext cx="0" cy="0"/>
+          <a:chOff x="0" y="0"/>
+          <a:chExt cx="0" cy="0"/>
+        </a:xfrm>
+      </p:grpSpPr>
+      <p:sp>
+        <p:nvSpPr>
+          <p:cNvPr id="370" name="Google Shape;370;p4"/>
+          <p:cNvSpPr txBox="1"/>
+          <p:nvPr/>
+        </p:nvSpPr>
+        <p:spPr>
+          <a:xfrm>
+            <a:off x="447188" y="168556"/>
+            <a:ext cx="8189554" cy="523180"/>
+          </a:xfrm>
+          <a:prstGeom prst="rect">
+            <a:avLst/>
+          </a:prstGeom>
+          <a:noFill/>
+          <a:ln>
+            <a:noFill/>
+          </a:ln>
+        </p:spPr>
+        <p:txBody>
+          <a:bodyPr spcFirstLastPara="1" wrap="square" lIns="91425" tIns="45700" rIns="91425" bIns="45700" anchor="t" anchorCtr="0">
+            <a:spAutoFit/>
+          </a:bodyPr>
+          <a:lstStyle/>
+          <a:p>
+            <a:pPr marL="0" marR="0" lvl="0" indent="0" algn="ctr" rtl="0">
+              <a:spcBef>
+                <a:spcPts val="0"/>
+              </a:spcBef>
+              <a:spcAft>
+                <a:spcPts val="0"/>
+              </a:spcAft>
+              <a:buNone/>
+            </a:pPr>
+            <a:r>
+              <a:rPr lang="pt-BR" sz="2800" dirty="0">
+                <a:solidFill>
+                  <a:schemeClr val="lt1"/>
+                </a:solidFill>
+                <a:latin typeface="Jacques Francois Shadow"/>
+                <a:ea typeface="Jacques Francois Shadow"/>
+                <a:cs typeface="Jacques Francois Shadow"/>
+                <a:sym typeface="Jacques Francois Shadow"/>
+              </a:rPr>
+              <a:t>IPN – Perfiles I De Alas Inclinadas</a:t>
+            </a:r>
+          </a:p>
+        </p:txBody>
+      </p:sp>
+    </p:spTree>
+  </p:cSld>
+  <p:clrMapOvr>
+    <a:masterClrMapping/>
+  </p:clrMapOvr>
+</p:sld>
+</file>
+
+<file path=ppt/slides/slide7.xml><?xml version="1.0" encoding="utf-8"?>
 <p:sld xmlns:a="http://schemas.openxmlformats.org/drawingml/2006/main" xmlns:r="http://schemas.openxmlformats.org/officeDocument/2006/relationships" xmlns:p="http://schemas.openxmlformats.org/presentationml/2006/main">
   <p:cSld>
     <p:spTree>
@@ -6023,7 +7771,37 @@
 </p:sld>
 </file>
 
-<file path=ppt/slides/slide3.xml><?xml version="1.0" encoding="utf-8"?>
+<file path=ppt/slides/slide8.xml><?xml version="1.0" encoding="utf-8"?>
+<p:sld xmlns:a="http://schemas.openxmlformats.org/drawingml/2006/main" xmlns:r="http://schemas.openxmlformats.org/officeDocument/2006/relationships" xmlns:p="http://schemas.openxmlformats.org/presentationml/2006/main">
+  <p:cSld>
+    <p:spTree>
+      <p:nvGrpSpPr>
+        <p:cNvPr id="1" name=""/>
+        <p:cNvGrpSpPr/>
+        <p:nvPr/>
+      </p:nvGrpSpPr>
+      <p:grpSpPr>
+        <a:xfrm>
+          <a:off x="0" y="0"/>
+          <a:ext cx="0" cy="0"/>
+          <a:chOff x="0" y="0"/>
+          <a:chExt cx="0" cy="0"/>
+        </a:xfrm>
+      </p:grpSpPr>
+    </p:spTree>
+    <p:extLst>
+      <p:ext uri="{BB962C8B-B14F-4D97-AF65-F5344CB8AC3E}">
+        <p14:creationId xmlns:p14="http://schemas.microsoft.com/office/powerpoint/2010/main" val="2768155918"/>
+      </p:ext>
+    </p:extLst>
+  </p:cSld>
+  <p:clrMapOvr>
+    <a:masterClrMapping/>
+  </p:clrMapOvr>
+</p:sld>
+</file>
+
+<file path=ppt/slides/slide9.xml><?xml version="1.0" encoding="utf-8"?>
 <p:sld xmlns:a="http://schemas.openxmlformats.org/drawingml/2006/main" xmlns:r="http://schemas.openxmlformats.org/officeDocument/2006/relationships" xmlns:p="http://schemas.openxmlformats.org/presentationml/2006/main">
   <p:cSld>
     <p:bg>
@@ -6103,115 +7881,6 @@
           </a:p>
         </p:txBody>
       </p:sp>
-    </p:spTree>
-  </p:cSld>
-  <p:clrMapOvr>
-    <a:masterClrMapping/>
-  </p:clrMapOvr>
-</p:sld>
-</file>
-
-<file path=ppt/slides/slide4.xml><?xml version="1.0" encoding="utf-8"?>
-<p:sld xmlns:a="http://schemas.openxmlformats.org/drawingml/2006/main" xmlns:r="http://schemas.openxmlformats.org/officeDocument/2006/relationships" xmlns:p="http://schemas.openxmlformats.org/presentationml/2006/main">
-  <p:cSld>
-    <p:spTree>
-      <p:nvGrpSpPr>
-        <p:cNvPr id="1" name="Shape 360"/>
-        <p:cNvGrpSpPr/>
-        <p:nvPr/>
-      </p:nvGrpSpPr>
-      <p:grpSpPr>
-        <a:xfrm>
-          <a:off x="0" y="0"/>
-          <a:ext cx="0" cy="0"/>
-          <a:chOff x="0" y="0"/>
-          <a:chExt cx="0" cy="0"/>
-        </a:xfrm>
-      </p:grpSpPr>
-      <p:sp>
-        <p:nvSpPr>
-          <p:cNvPr id="3" name="Google Shape;350;p1">
-            <a:extLst>
-              <a:ext uri="{FF2B5EF4-FFF2-40B4-BE49-F238E27FC236}">
-                <a16:creationId xmlns:a16="http://schemas.microsoft.com/office/drawing/2014/main" id="{C887B693-B3C3-BC3F-E1F7-D5EF2555895C}"/>
-              </a:ext>
-            </a:extLst>
-          </p:cNvPr>
-          <p:cNvSpPr txBox="1"/>
-          <p:nvPr/>
-        </p:nvSpPr>
-        <p:spPr>
-          <a:xfrm>
-            <a:off x="1491412" y="471799"/>
-            <a:ext cx="6161176" cy="523180"/>
-          </a:xfrm>
-          <a:prstGeom prst="rect">
-            <a:avLst/>
-          </a:prstGeom>
-          <a:noFill/>
-          <a:ln>
-            <a:noFill/>
-          </a:ln>
-        </p:spPr>
-        <p:txBody>
-          <a:bodyPr spcFirstLastPara="1" wrap="square" lIns="91425" tIns="45700" rIns="91425" bIns="45700" anchor="t" anchorCtr="0">
-            <a:spAutoFit/>
-          </a:bodyPr>
-          <a:lstStyle/>
-          <a:p>
-            <a:pPr marL="0" marR="0" lvl="0" indent="0" algn="ctr" rtl="0">
-              <a:spcBef>
-                <a:spcPts val="0"/>
-              </a:spcBef>
-              <a:spcAft>
-                <a:spcPts val="0"/>
-              </a:spcAft>
-              <a:buNone/>
-            </a:pPr>
-            <a:r>
-              <a:rPr lang="es-ES" sz="2800" dirty="0">
-                <a:solidFill>
-                  <a:schemeClr val="dk1"/>
-                </a:solidFill>
-                <a:latin typeface="Jacques Francois Shadow"/>
-                <a:sym typeface="Jacques Francois Shadow"/>
-              </a:rPr>
-              <a:t>Perfiles H – HE,HL,HD,HP</a:t>
-            </a:r>
-            <a:endParaRPr sz="1800" dirty="0"/>
-          </a:p>
-        </p:txBody>
-      </p:sp>
-    </p:spTree>
-    <p:extLst>
-      <p:ext uri="{BB962C8B-B14F-4D97-AF65-F5344CB8AC3E}">
-        <p14:creationId xmlns:p14="http://schemas.microsoft.com/office/powerpoint/2010/main" val="3906349028"/>
-      </p:ext>
-    </p:extLst>
-  </p:cSld>
-  <p:clrMapOvr>
-    <a:masterClrMapping/>
-  </p:clrMapOvr>
-</p:sld>
-</file>
-
-<file path=ppt/slides/slide5.xml><?xml version="1.0" encoding="utf-8"?>
-<p:sld xmlns:a="http://schemas.openxmlformats.org/drawingml/2006/main" xmlns:r="http://schemas.openxmlformats.org/officeDocument/2006/relationships" xmlns:p="http://schemas.openxmlformats.org/presentationml/2006/main">
-  <p:cSld>
-    <p:spTree>
-      <p:nvGrpSpPr>
-        <p:cNvPr id="1" name="Shape 455"/>
-        <p:cNvGrpSpPr/>
-        <p:nvPr/>
-      </p:nvGrpSpPr>
-      <p:grpSpPr>
-        <a:xfrm>
-          <a:off x="0" y="0"/>
-          <a:ext cx="0" cy="0"/>
-          <a:chOff x="0" y="0"/>
-          <a:chExt cx="0" cy="0"/>
-        </a:xfrm>
-      </p:grpSpPr>
     </p:spTree>
   </p:cSld>
   <p:clrMapOvr>
